--- a/Wireframe/Inspector Database Wireframe slides.pptx
+++ b/Wireframe/Inspector Database Wireframe slides.pptx
@@ -16,7 +16,7 @@
     <p:sldId id="263" r:id="rId10"/>
   </p:sldIdLst>
   <p:sldSz cx="12192000" cy="6858000"/>
-  <p:notesSz cx="6858000" cy="9144000"/>
+  <p:notesSz cx="7010400" cy="9296400"/>
   <p:defaultTextStyle>
     <a:defPPr>
       <a:defRPr lang="en-US"/>
@@ -112,6 +112,11 @@
       </a:defRPr>
     </a:lvl9pPr>
   </p:defaultTextStyle>
+  <p:extLst>
+    <p:ext uri="{EFAFB233-063F-42B5-8137-9DF3F51BA10A}">
+      <p15:sldGuideLst xmlns:p15="http://schemas.microsoft.com/office/powerpoint/2012/main"/>
+    </p:ext>
+  </p:extLst>
 </p:presentation>
 </file>
 
